--- a/presentations/2020-02 Tutorials/2020-02 Questionnaire and SDC.pptx
+++ b/presentations/2020-02 Tutorials/2020-02 Questionnaire and SDC.pptx
@@ -315,7 +315,7 @@
             <a:fld id="{1BCE7D1B-E2D6-42EC-A46F-6B8D8AB722EA}" type="datetime1">
               <a:rPr lang="en-US" altLang="en-US"/>
               <a:pPr/>
-              <a:t>2/4/2020</a:t>
+              <a:t>5/14/2020</a:t>
             </a:fld>
             <a:endParaRPr lang="en-US" altLang="en-US"/>
           </a:p>
@@ -541,7 +541,7 @@
             <a:fld id="{60D4D74E-7671-46E5-9A5B-14F31A4C0D2E}" type="datetime1">
               <a:rPr lang="en-US" altLang="en-US"/>
               <a:pPr/>
-              <a:t>2/4/2020</a:t>
+              <a:t>5/14/2020</a:t>
             </a:fld>
             <a:endParaRPr lang="en-US" altLang="en-US"/>
           </a:p>
@@ -13992,7 +13992,7 @@
 </file>
 
 <file path=ppt/slides/slide15.xml><?xml version="1.0" encoding="utf-8"?>
-<p:sld xmlns:a="http://schemas.openxmlformats.org/drawingml/2006/main" xmlns:r="http://schemas.openxmlformats.org/officeDocument/2006/relationships" xmlns:p="http://schemas.openxmlformats.org/presentationml/2006/main">
+<p:sld xmlns:a="http://schemas.openxmlformats.org/drawingml/2006/main" xmlns:r="http://schemas.openxmlformats.org/officeDocument/2006/relationships" xmlns:p="http://schemas.openxmlformats.org/presentationml/2006/main" show="0">
   <p:cSld>
     <p:spTree>
       <p:nvGrpSpPr>
@@ -14817,7 +14817,7 @@
 </file>
 
 <file path=ppt/slides/slide19.xml><?xml version="1.0" encoding="utf-8"?>
-<p:sld xmlns:a="http://schemas.openxmlformats.org/drawingml/2006/main" xmlns:r="http://schemas.openxmlformats.org/officeDocument/2006/relationships" xmlns:p="http://schemas.openxmlformats.org/presentationml/2006/main">
+<p:sld xmlns:a="http://schemas.openxmlformats.org/drawingml/2006/main" xmlns:r="http://schemas.openxmlformats.org/officeDocument/2006/relationships" xmlns:p="http://schemas.openxmlformats.org/presentationml/2006/main" show="0">
   <p:cSld>
     <p:spTree>
       <p:nvGrpSpPr>
@@ -14964,7 +14964,7 @@
 </file>
 
 <file path=ppt/slides/slide2.xml><?xml version="1.0" encoding="utf-8"?>
-<p:sld xmlns:a="http://schemas.openxmlformats.org/drawingml/2006/main" xmlns:r="http://schemas.openxmlformats.org/officeDocument/2006/relationships" xmlns:p="http://schemas.openxmlformats.org/presentationml/2006/main">
+<p:sld xmlns:a="http://schemas.openxmlformats.org/drawingml/2006/main" xmlns:r="http://schemas.openxmlformats.org/officeDocument/2006/relationships" xmlns:p="http://schemas.openxmlformats.org/presentationml/2006/main" show="0">
   <p:cSld>
     <p:spTree>
       <p:nvGrpSpPr>
@@ -15890,7 +15890,7 @@
                 <a:rPr lang="en-CA" dirty="0">
                   <a:latin typeface="Arial" charset="0"/>
                 </a:rPr>
-                <a:t>Child “text” item</a:t>
+                <a:t>Child “display” item</a:t>
               </a:r>
               <a:br>
                 <a:rPr lang="en-CA" dirty="0">
@@ -16132,9 +16132,9 @@
         <p:grpSpPr>
           <a:xfrm>
             <a:off x="745817" y="1108347"/>
-            <a:ext cx="702078" cy="957562"/>
+            <a:ext cx="789626" cy="957562"/>
             <a:chOff x="755576" y="2224259"/>
-            <a:chExt cx="936104" cy="1276749"/>
+            <a:chExt cx="1052835" cy="1276749"/>
           </a:xfrm>
         </p:grpSpPr>
         <p:sp>
@@ -16191,7 +16191,7 @@
           <p:spPr bwMode="auto">
             <a:xfrm>
               <a:off x="755576" y="2224259"/>
-              <a:ext cx="936104" cy="428677"/>
+              <a:ext cx="1052835" cy="428677"/>
             </a:xfrm>
             <a:prstGeom prst="rect">
               <a:avLst/>
@@ -16219,7 +16219,7 @@
                 <a:rPr lang="en-CA" dirty="0">
                   <a:latin typeface="Arial" charset="0"/>
                 </a:rPr>
-                <a:t>Label</a:t>
+                <a:t>Prefix</a:t>
               </a:r>
             </a:p>
           </p:txBody>
@@ -19946,13 +19946,13 @@
               <a:t>preferredTerminologyServer</a:t>
             </a:r>
             <a:endParaRPr lang="en-AU" sz="1350" dirty="0">
-              <a:hlinkClick r:id=""/>
+              <a:hlinkClick r:id="" action="ppaction://noaction"/>
             </a:endParaRPr>
           </a:p>
           <a:p>
             <a:r>
               <a:rPr lang="en-AU" sz="1350" dirty="0">
-                <a:hlinkClick r:id=""/>
+                <a:hlinkClick r:id="" action="ppaction://noaction"/>
               </a:rPr>
               <a:t>questionnaire-</a:t>
             </a:r>
@@ -20141,7 +20141,7 @@
 </file>
 
 <file path=ppt/slides/slide25.xml><?xml version="1.0" encoding="utf-8"?>
-<p:sld xmlns:a="http://schemas.openxmlformats.org/drawingml/2006/main" xmlns:r="http://schemas.openxmlformats.org/officeDocument/2006/relationships" xmlns:p="http://schemas.openxmlformats.org/presentationml/2006/main">
+<p:sld xmlns:a="http://schemas.openxmlformats.org/drawingml/2006/main" xmlns:r="http://schemas.openxmlformats.org/officeDocument/2006/relationships" xmlns:p="http://schemas.openxmlformats.org/presentationml/2006/main" show="0">
   <p:cSld>
     <p:spTree>
       <p:nvGrpSpPr>
@@ -21179,7 +21179,7 @@
 </file>
 
 <file path=ppt/slides/slide3.xml><?xml version="1.0" encoding="utf-8"?>
-<p:sld xmlns:a="http://schemas.openxmlformats.org/drawingml/2006/main" xmlns:r="http://schemas.openxmlformats.org/officeDocument/2006/relationships" xmlns:p="http://schemas.openxmlformats.org/presentationml/2006/main">
+<p:sld xmlns:a="http://schemas.openxmlformats.org/drawingml/2006/main" xmlns:r="http://schemas.openxmlformats.org/officeDocument/2006/relationships" xmlns:p="http://schemas.openxmlformats.org/presentationml/2006/main" show="0">
   <p:cSld>
     <p:spTree>
       <p:nvGrpSpPr>
@@ -22407,7 +22407,7 @@
 </file>
 
 <file path=ppt/slides/slide37.xml><?xml version="1.0" encoding="utf-8"?>
-<p:sld xmlns:a="http://schemas.openxmlformats.org/drawingml/2006/main" xmlns:r="http://schemas.openxmlformats.org/officeDocument/2006/relationships" xmlns:p="http://schemas.openxmlformats.org/presentationml/2006/main">
+<p:sld xmlns:a="http://schemas.openxmlformats.org/drawingml/2006/main" xmlns:r="http://schemas.openxmlformats.org/officeDocument/2006/relationships" xmlns:p="http://schemas.openxmlformats.org/presentationml/2006/main" show="0">
   <p:cSld>
     <p:spTree>
       <p:nvGrpSpPr>
@@ -26481,7 +26481,7 @@
 </file>
 
 <file path=ppt/slides/slide6.xml><?xml version="1.0" encoding="utf-8"?>
-<p:sld xmlns:a="http://schemas.openxmlformats.org/drawingml/2006/main" xmlns:r="http://schemas.openxmlformats.org/officeDocument/2006/relationships" xmlns:p="http://schemas.openxmlformats.org/presentationml/2006/main">
+<p:sld xmlns:a="http://schemas.openxmlformats.org/drawingml/2006/main" xmlns:r="http://schemas.openxmlformats.org/officeDocument/2006/relationships" xmlns:p="http://schemas.openxmlformats.org/presentationml/2006/main" show="0">
   <p:cSld>
     <p:spTree>
       <p:nvGrpSpPr>
@@ -26594,7 +26594,7 @@
 </file>
 
 <file path=ppt/slides/slide7.xml><?xml version="1.0" encoding="utf-8"?>
-<p:sld xmlns:a="http://schemas.openxmlformats.org/drawingml/2006/main" xmlns:r="http://schemas.openxmlformats.org/officeDocument/2006/relationships" xmlns:p="http://schemas.openxmlformats.org/presentationml/2006/main">
+<p:sld xmlns:a="http://schemas.openxmlformats.org/drawingml/2006/main" xmlns:r="http://schemas.openxmlformats.org/officeDocument/2006/relationships" xmlns:p="http://schemas.openxmlformats.org/presentationml/2006/main" show="0">
   <p:cSld>
     <p:spTree>
       <p:nvGrpSpPr>
@@ -26711,7 +26711,7 @@
 </file>
 
 <file path=ppt/slides/slide8.xml><?xml version="1.0" encoding="utf-8"?>
-<p:sld xmlns:a="http://schemas.openxmlformats.org/drawingml/2006/main" xmlns:r="http://schemas.openxmlformats.org/officeDocument/2006/relationships" xmlns:p="http://schemas.openxmlformats.org/presentationml/2006/main">
+<p:sld xmlns:a="http://schemas.openxmlformats.org/drawingml/2006/main" xmlns:r="http://schemas.openxmlformats.org/officeDocument/2006/relationships" xmlns:p="http://schemas.openxmlformats.org/presentationml/2006/main" show="0">
   <p:cSld>
     <p:spTree>
       <p:nvGrpSpPr>
